--- a/20100131Meet/LS-Scalability-issues.pptx
+++ b/20100131Meet/LS-Scalability-issues.pptx
@@ -5,16 +5,19 @@
     <p:sldMasterId id="2147483662" r:id="rId1"/>
   </p:sldMasterIdLst>
   <p:notesMasterIdLst>
-    <p:notesMasterId r:id="rId6"/>
+    <p:notesMasterId r:id="rId9"/>
   </p:notesMasterIdLst>
   <p:handoutMasterIdLst>
-    <p:handoutMasterId r:id="rId7"/>
+    <p:handoutMasterId r:id="rId10"/>
   </p:handoutMasterIdLst>
   <p:sldIdLst>
     <p:sldId id="335" r:id="rId2"/>
     <p:sldId id="336" r:id="rId3"/>
     <p:sldId id="338" r:id="rId4"/>
     <p:sldId id="337" r:id="rId5"/>
+    <p:sldId id="339" r:id="rId6"/>
+    <p:sldId id="340" r:id="rId7"/>
+    <p:sldId id="341" r:id="rId8"/>
   </p:sldIdLst>
   <p:sldSz cx="9144000" cy="6858000" type="screen4x3"/>
   <p:notesSz cx="6858000" cy="9144000"/>
@@ -2333,32 +2336,8 @@
             <a:pPr lvl="1"/>
             <a:r>
               <a:rPr lang="en-US" sz="2400" dirty="0" smtClean="0"/>
-              <a:t>Query time = 14 </a:t>
-            </a:r>
-            <a:r>
-              <a:rPr lang="en-US" sz="2400" smtClean="0"/>
-              <a:t>seconds </a:t>
-            </a:r>
-          </a:p>
-          <a:p>
-            <a:pPr lvl="2"/>
-            <a:r>
-              <a:rPr lang="en-US" sz="2000" smtClean="0"/>
-              <a:t>most </a:t>
-            </a:r>
-            <a:r>
-              <a:rPr lang="en-US" sz="2000" dirty="0" smtClean="0"/>
-              <a:t>of the time on the </a:t>
-            </a:r>
-            <a:r>
-              <a:rPr lang="en-US" sz="2000" dirty="0" err="1" smtClean="0"/>
-              <a:t>gLS</a:t>
-            </a:r>
-            <a:r>
-              <a:rPr lang="en-US" sz="2000" dirty="0" smtClean="0"/>
-              <a:t> query</a:t>
-            </a:r>
-            <a:endParaRPr lang="en-US" sz="2000" dirty="0" smtClean="0"/>
+              <a:t>Query time = 14 seconds</a:t>
+            </a:r>
           </a:p>
           <a:p>
             <a:r>
@@ -2641,6 +2620,463 @@
               <a:rPr lang="en-US" smtClean="0"/>
               <a:pPr/>
               <a:t>4</a:t>
+            </a:fld>
+            <a:endParaRPr lang="en-US"/>
+          </a:p>
+        </p:txBody>
+      </p:sp>
+    </p:spTree>
+  </p:cSld>
+  <p:clrMapOvr>
+    <a:masterClrMapping/>
+  </p:clrMapOvr>
+</p:sld>
+</file>
+
+<file path=ppt/slides/slide5.xml><?xml version="1.0" encoding="utf-8"?>
+<p:sld xmlns:a="http://schemas.openxmlformats.org/drawingml/2006/main" xmlns:r="http://schemas.openxmlformats.org/officeDocument/2006/relationships" xmlns:mc="http://schemas.openxmlformats.org/markup-compatibility/2006" xmlns:mv="urn:schemas-microsoft-com:mac:vml" xmlns:p="http://schemas.openxmlformats.org/presentationml/2006/main" mc:Ignorable="mv" mc:PreserveAttributes="mv:*">
+  <p:cSld>
+    <p:spTree>
+      <p:nvGrpSpPr>
+        <p:cNvPr id="1" name=""/>
+        <p:cNvGrpSpPr/>
+        <p:nvPr/>
+      </p:nvGrpSpPr>
+      <p:grpSpPr>
+        <a:xfrm>
+          <a:off x="0" y="0"/>
+          <a:ext cx="0" cy="0"/>
+          <a:chOff x="0" y="0"/>
+          <a:chExt cx="0" cy="0"/>
+        </a:xfrm>
+      </p:grpSpPr>
+      <p:sp>
+        <p:nvSpPr>
+          <p:cNvPr id="5" name="Title 4"/>
+          <p:cNvSpPr>
+            <a:spLocks noGrp="1"/>
+          </p:cNvSpPr>
+          <p:nvPr>
+            <p:ph type="title"/>
+          </p:nvPr>
+        </p:nvSpPr>
+        <p:spPr/>
+        <p:txBody>
+          <a:bodyPr/>
+          <a:lstStyle/>
+          <a:p>
+            <a:r>
+              <a:rPr lang="en-US" dirty="0" smtClean="0"/>
+              <a:t>Fixing things</a:t>
+            </a:r>
+            <a:endParaRPr lang="en-US" dirty="0"/>
+          </a:p>
+        </p:txBody>
+      </p:sp>
+      <p:sp>
+        <p:nvSpPr>
+          <p:cNvPr id="6" name="Content Placeholder 5"/>
+          <p:cNvSpPr>
+            <a:spLocks noGrp="1"/>
+          </p:cNvSpPr>
+          <p:nvPr>
+            <p:ph idx="1"/>
+          </p:nvPr>
+        </p:nvSpPr>
+        <p:spPr/>
+        <p:txBody>
+          <a:bodyPr/>
+          <a:lstStyle/>
+          <a:p>
+            <a:r>
+              <a:rPr lang="en-US" dirty="0" err="1" smtClean="0"/>
+              <a:t>gLS</a:t>
+            </a:r>
+            <a:r>
+              <a:rPr lang="en-US" dirty="0" smtClean="0"/>
+              <a:t> architecture is fine and works for summarization and scalability</a:t>
+            </a:r>
+          </a:p>
+          <a:p>
+            <a:r>
+              <a:rPr lang="en-US" dirty="0" smtClean="0"/>
+              <a:t>The problem is that the </a:t>
+            </a:r>
+            <a:r>
+              <a:rPr lang="en-US" dirty="0" err="1" smtClean="0"/>
+              <a:t>gLS</a:t>
+            </a:r>
+            <a:r>
+              <a:rPr lang="en-US" dirty="0" smtClean="0"/>
+              <a:t> doesn’t have service access points, which necessitates contacting each </a:t>
+            </a:r>
+            <a:r>
+              <a:rPr lang="en-US" dirty="0" err="1" smtClean="0"/>
+              <a:t>hLS</a:t>
+            </a:r>
+            <a:r>
+              <a:rPr lang="en-US" dirty="0" smtClean="0"/>
+              <a:t> in the current implementation</a:t>
+            </a:r>
+          </a:p>
+          <a:p>
+            <a:r>
+              <a:rPr lang="en-US" dirty="0" smtClean="0"/>
+              <a:t>Putting </a:t>
+            </a:r>
+            <a:r>
+              <a:rPr lang="en-US" dirty="0" err="1" smtClean="0"/>
+              <a:t>SAPs</a:t>
+            </a:r>
+            <a:r>
+              <a:rPr lang="en-US" dirty="0" smtClean="0"/>
+              <a:t> in the </a:t>
+            </a:r>
+            <a:r>
+              <a:rPr lang="en-US" dirty="0" err="1" smtClean="0"/>
+              <a:t>gLS</a:t>
+            </a:r>
+            <a:r>
+              <a:rPr lang="en-US" dirty="0" smtClean="0"/>
+              <a:t> would reduce available summarization </a:t>
+            </a:r>
+            <a:endParaRPr lang="en-US" dirty="0"/>
+          </a:p>
+        </p:txBody>
+      </p:sp>
+      <p:sp>
+        <p:nvSpPr>
+          <p:cNvPr id="4" name="Slide Number Placeholder 3"/>
+          <p:cNvSpPr>
+            <a:spLocks noGrp="1"/>
+          </p:cNvSpPr>
+          <p:nvPr>
+            <p:ph type="sldNum" sz="quarter" idx="12"/>
+          </p:nvPr>
+        </p:nvSpPr>
+        <p:spPr/>
+        <p:txBody>
+          <a:bodyPr/>
+          <a:lstStyle/>
+          <a:p>
+            <a:pPr>
+              <a:defRPr/>
+            </a:pPr>
+            <a:fld id="{995AAEE3-0579-A04F-BA5C-9CC0657BEDEF}" type="slidenum">
+              <a:rPr lang="en-US" smtClean="0"/>
+              <a:pPr>
+                <a:defRPr/>
+              </a:pPr>
+              <a:t>5</a:t>
+            </a:fld>
+            <a:endParaRPr lang="en-US"/>
+          </a:p>
+        </p:txBody>
+      </p:sp>
+    </p:spTree>
+  </p:cSld>
+  <p:clrMapOvr>
+    <a:masterClrMapping/>
+  </p:clrMapOvr>
+</p:sld>
+</file>
+
+<file path=ppt/slides/slide6.xml><?xml version="1.0" encoding="utf-8"?>
+<p:sld xmlns:a="http://schemas.openxmlformats.org/drawingml/2006/main" xmlns:r="http://schemas.openxmlformats.org/officeDocument/2006/relationships" xmlns:mc="http://schemas.openxmlformats.org/markup-compatibility/2006" xmlns:mv="urn:schemas-microsoft-com:mac:vml" xmlns:p="http://schemas.openxmlformats.org/presentationml/2006/main" mc:Ignorable="mv" mc:PreserveAttributes="mv:*">
+  <p:cSld>
+    <p:spTree>
+      <p:nvGrpSpPr>
+        <p:cNvPr id="1" name=""/>
+        <p:cNvGrpSpPr/>
+        <p:nvPr/>
+      </p:nvGrpSpPr>
+      <p:grpSpPr>
+        <a:xfrm>
+          <a:off x="0" y="0"/>
+          <a:ext cx="0" cy="0"/>
+          <a:chOff x="0" y="0"/>
+          <a:chExt cx="0" cy="0"/>
+        </a:xfrm>
+      </p:grpSpPr>
+      <p:sp>
+        <p:nvSpPr>
+          <p:cNvPr id="5" name="Title 4"/>
+          <p:cNvSpPr>
+            <a:spLocks noGrp="1"/>
+          </p:cNvSpPr>
+          <p:nvPr>
+            <p:ph type="title"/>
+          </p:nvPr>
+        </p:nvSpPr>
+        <p:spPr/>
+        <p:txBody>
+          <a:bodyPr/>
+          <a:lstStyle/>
+          <a:p>
+            <a:r>
+              <a:rPr lang="en-US" dirty="0" smtClean="0"/>
+              <a:t>Solution Direction</a:t>
+            </a:r>
+            <a:endParaRPr lang="en-US" dirty="0"/>
+          </a:p>
+        </p:txBody>
+      </p:sp>
+      <p:sp>
+        <p:nvSpPr>
+          <p:cNvPr id="6" name="Content Placeholder 5"/>
+          <p:cNvSpPr>
+            <a:spLocks noGrp="1"/>
+          </p:cNvSpPr>
+          <p:nvPr>
+            <p:ph idx="1"/>
+          </p:nvPr>
+        </p:nvSpPr>
+        <p:spPr/>
+        <p:txBody>
+          <a:bodyPr/>
+          <a:lstStyle/>
+          <a:p>
+            <a:r>
+              <a:rPr lang="en-US" dirty="0" smtClean="0"/>
+              <a:t>The original model included other layers of </a:t>
+            </a:r>
+            <a:r>
+              <a:rPr lang="en-US" dirty="0" err="1" smtClean="0"/>
+              <a:t>LSes</a:t>
+            </a:r>
+            <a:endParaRPr lang="en-US" dirty="0" smtClean="0"/>
+          </a:p>
+          <a:p>
+            <a:r>
+              <a:rPr lang="en-US" dirty="0" smtClean="0"/>
+              <a:t>Automatic creation of hierarchy is difficult</a:t>
+            </a:r>
+          </a:p>
+          <a:p>
+            <a:pPr lvl="1"/>
+            <a:r>
+              <a:rPr lang="en-US" dirty="0" smtClean="0"/>
+              <a:t>that’s basically why it was dropped in the evolution of the </a:t>
+            </a:r>
+            <a:r>
+              <a:rPr lang="en-US" dirty="0" err="1" smtClean="0"/>
+              <a:t>dLS</a:t>
+            </a:r>
+            <a:r>
+              <a:rPr lang="en-US" dirty="0" smtClean="0"/>
+              <a:t> architecture</a:t>
+            </a:r>
+          </a:p>
+          <a:p>
+            <a:r>
+              <a:rPr lang="en-US" dirty="0" smtClean="0"/>
+              <a:t>We need a way to discover services without touching all </a:t>
+            </a:r>
+            <a:r>
+              <a:rPr lang="en-US" dirty="0" err="1" smtClean="0"/>
+              <a:t>hLSes</a:t>
+            </a:r>
+            <a:endParaRPr lang="en-US" dirty="0" smtClean="0"/>
+          </a:p>
+          <a:p>
+            <a:pPr lvl="1"/>
+            <a:r>
+              <a:rPr lang="en-US" dirty="0" smtClean="0"/>
+              <a:t>especially by each node </a:t>
+            </a:r>
+            <a:endParaRPr lang="en-US" dirty="0"/>
+          </a:p>
+        </p:txBody>
+      </p:sp>
+      <p:sp>
+        <p:nvSpPr>
+          <p:cNvPr id="4" name="Slide Number Placeholder 3"/>
+          <p:cNvSpPr>
+            <a:spLocks noGrp="1"/>
+          </p:cNvSpPr>
+          <p:nvPr>
+            <p:ph type="sldNum" sz="quarter" idx="12"/>
+          </p:nvPr>
+        </p:nvSpPr>
+        <p:spPr/>
+        <p:txBody>
+          <a:bodyPr/>
+          <a:lstStyle/>
+          <a:p>
+            <a:pPr>
+              <a:defRPr/>
+            </a:pPr>
+            <a:fld id="{995AAEE3-0579-A04F-BA5C-9CC0657BEDEF}" type="slidenum">
+              <a:rPr lang="en-US" smtClean="0"/>
+              <a:pPr>
+                <a:defRPr/>
+              </a:pPr>
+              <a:t>6</a:t>
+            </a:fld>
+            <a:endParaRPr lang="en-US"/>
+          </a:p>
+        </p:txBody>
+      </p:sp>
+    </p:spTree>
+  </p:cSld>
+  <p:clrMapOvr>
+    <a:masterClrMapping/>
+  </p:clrMapOvr>
+</p:sld>
+</file>
+
+<file path=ppt/slides/slide7.xml><?xml version="1.0" encoding="utf-8"?>
+<p:sld xmlns:a="http://schemas.openxmlformats.org/drawingml/2006/main" xmlns:r="http://schemas.openxmlformats.org/officeDocument/2006/relationships" xmlns:mc="http://schemas.openxmlformats.org/markup-compatibility/2006" xmlns:mv="urn:schemas-microsoft-com:mac:vml" xmlns:p="http://schemas.openxmlformats.org/presentationml/2006/main" mc:Ignorable="mv" mc:PreserveAttributes="mv:*">
+  <p:cSld>
+    <p:spTree>
+      <p:nvGrpSpPr>
+        <p:cNvPr id="1" name=""/>
+        <p:cNvGrpSpPr/>
+        <p:nvPr/>
+      </p:nvGrpSpPr>
+      <p:grpSpPr>
+        <a:xfrm>
+          <a:off x="0" y="0"/>
+          <a:ext cx="0" cy="0"/>
+          <a:chOff x="0" y="0"/>
+          <a:chExt cx="0" cy="0"/>
+        </a:xfrm>
+      </p:grpSpPr>
+      <p:sp>
+        <p:nvSpPr>
+          <p:cNvPr id="5" name="Title 4"/>
+          <p:cNvSpPr>
+            <a:spLocks noGrp="1"/>
+          </p:cNvSpPr>
+          <p:nvPr>
+            <p:ph type="title"/>
+          </p:nvPr>
+        </p:nvSpPr>
+        <p:spPr/>
+        <p:txBody>
+          <a:bodyPr/>
+          <a:lstStyle/>
+          <a:p>
+            <a:r>
+              <a:rPr lang="en-US" dirty="0" smtClean="0"/>
+              <a:t>Solution Space</a:t>
+            </a:r>
+            <a:endParaRPr lang="en-US" dirty="0"/>
+          </a:p>
+        </p:txBody>
+      </p:sp>
+      <p:sp>
+        <p:nvSpPr>
+          <p:cNvPr id="6" name="Content Placeholder 5"/>
+          <p:cNvSpPr>
+            <a:spLocks noGrp="1"/>
+          </p:cNvSpPr>
+          <p:nvPr>
+            <p:ph idx="1"/>
+          </p:nvPr>
+        </p:nvSpPr>
+        <p:spPr>
+          <a:xfrm>
+            <a:off x="457200" y="1170540"/>
+            <a:ext cx="8229600" cy="5185810"/>
+          </a:xfrm>
+        </p:spPr>
+        <p:txBody>
+          <a:bodyPr/>
+          <a:lstStyle/>
+          <a:p>
+            <a:r>
+              <a:rPr lang="en-US" dirty="0" smtClean="0"/>
+              <a:t>Two solutions:</a:t>
+            </a:r>
+          </a:p>
+          <a:p>
+            <a:r>
+              <a:rPr lang="en-US" dirty="0" smtClean="0"/>
+              <a:t>Index Services</a:t>
+            </a:r>
+          </a:p>
+          <a:p>
+            <a:pPr lvl="1"/>
+            <a:r>
+              <a:rPr lang="en-US" dirty="0" smtClean="0"/>
+              <a:t>Gather relevant information (servicing a particular query) and keep it up to date</a:t>
+            </a:r>
+          </a:p>
+          <a:p>
+            <a:pPr lvl="1"/>
+            <a:r>
+              <a:rPr lang="en-US" dirty="0" smtClean="0"/>
+              <a:t>Ex: All </a:t>
+            </a:r>
+            <a:r>
+              <a:rPr lang="en-US" dirty="0" err="1" smtClean="0"/>
+              <a:t>pSB</a:t>
+            </a:r>
+            <a:r>
+              <a:rPr lang="en-US" dirty="0" smtClean="0"/>
+              <a:t> MPs, all North American MPs</a:t>
+            </a:r>
+          </a:p>
+          <a:p>
+            <a:pPr lvl="1"/>
+            <a:r>
+              <a:rPr lang="en-US" dirty="0" smtClean="0"/>
+              <a:t>This would talk to all </a:t>
+            </a:r>
+            <a:r>
+              <a:rPr lang="en-US" dirty="0" err="1" smtClean="0"/>
+              <a:t>hLSs</a:t>
+            </a:r>
+            <a:r>
+              <a:rPr lang="en-US" dirty="0" smtClean="0"/>
+              <a:t> and refresh fairly periodically (pull model)</a:t>
+            </a:r>
+          </a:p>
+          <a:p>
+            <a:r>
+              <a:rPr lang="en-US" dirty="0" smtClean="0"/>
+              <a:t>Domain Lookup Services</a:t>
+            </a:r>
+          </a:p>
+          <a:p>
+            <a:pPr lvl="1"/>
+            <a:r>
+              <a:rPr lang="en-US" dirty="0" smtClean="0"/>
+              <a:t>Large domains host </a:t>
+            </a:r>
+            <a:r>
+              <a:rPr lang="en-US" dirty="0" err="1" smtClean="0"/>
+              <a:t>DomLS</a:t>
+            </a:r>
+            <a:endParaRPr lang="en-US" dirty="0" smtClean="0"/>
+          </a:p>
+        </p:txBody>
+      </p:sp>
+      <p:sp>
+        <p:nvSpPr>
+          <p:cNvPr id="4" name="Slide Number Placeholder 3"/>
+          <p:cNvSpPr>
+            <a:spLocks noGrp="1"/>
+          </p:cNvSpPr>
+          <p:nvPr>
+            <p:ph type="sldNum" sz="quarter" idx="12"/>
+          </p:nvPr>
+        </p:nvSpPr>
+        <p:spPr/>
+        <p:txBody>
+          <a:bodyPr/>
+          <a:lstStyle/>
+          <a:p>
+            <a:pPr>
+              <a:defRPr/>
+            </a:pPr>
+            <a:fld id="{995AAEE3-0579-A04F-BA5C-9CC0657BEDEF}" type="slidenum">
+              <a:rPr lang="en-US" smtClean="0"/>
+              <a:pPr>
+                <a:defRPr/>
+              </a:pPr>
+              <a:t>7</a:t>
             </a:fld>
             <a:endParaRPr lang="en-US"/>
           </a:p>
